--- a/slides.pptx
+++ b/slides.pptx
@@ -5938,7 +5938,7 @@
                   </a:extLst>
                 </a:hlinkClick>
               </a:rPr>
-              <a:t>https://github.com/innerspacetrainings/Statecharts.NET/</a:t>
+              <a:t>https://github.com/bemayr/Statecharts.NET/</a:t>
             </a:r>
             <a:endParaRPr lang="de-AT" dirty="0">
               <a:latin typeface="Fira Code" panose="020B0509050000020004" pitchFamily="49" charset="0"/>
@@ -5967,14 +5967,10 @@
               <a:ext uri="{28A0092B-C50C-407E-A947-70E740481C1C}">
                 <a14:useLocalDpi xmlns:a14="http://schemas.microsoft.com/office/drawing/2010/main" val="0"/>
               </a:ext>
-              <a:ext uri="{96DAC541-7B7A-43D3-8B79-37D633B846F1}">
-                <asvg:svgBlip xmlns:asvg="http://schemas.microsoft.com/office/drawing/2016/SVG/main" r:embed="rId4"/>
-              </a:ext>
             </a:extLst>
           </a:blip>
-          <a:stretch>
-            <a:fillRect/>
-          </a:stretch>
+          <a:srcRect/>
+          <a:stretch/>
         </p:blipFill>
         <p:spPr>
           <a:xfrm>
